--- a/Ontario_COVID-19_Data.pptx
+++ b/Ontario_COVID-19_Data.pptx
@@ -11,6 +11,7 @@
     <p:sldId id="259" r:id="rId9"/>
     <p:sldId id="260" r:id="rId10"/>
     <p:sldId id="261" r:id="rId11"/>
+    <p:sldId id="262" r:id="rId12"/>
   </p:sldIdLst>
   <p:sldSz cx="12192000" cy="6858000"/>
   <p:notesSz cx="6858000" cy="9144000"/>
@@ -3331,7 +3332,7 @@
           <p:cNvPr id="0" name="slide1">
             <a:extLst>
               <a:ext uri="{FF2B5EF4-FFF2-40B4-BE49-F238E27FC236}">
-                <a16:creationId xmlns:a16="http://schemas.microsoft.com/office/drawing/2014/main" id="{DDD626F2-5E28-4303-A4AB-DFB738699CBD}"/>
+                <a16:creationId xmlns:a16="http://schemas.microsoft.com/office/drawing/2014/main" id="{4A4B32DA-88D5-4B4E-BBD4-E7C7A8385919}"/>
               </a:ext>
             </a:extLst>
           </p:cNvPr>
@@ -3349,7 +3350,7 @@
           <a:p>
             <a:r>
               <a:rPr/>
-              <a:t>Ontario_COVID-19_Data</a:t>
+              <a:t>tableau-data</a:t>
             </a:r>
           </a:p>
         </p:txBody>
@@ -3359,7 +3360,7 @@
           <p:cNvPr id="1" name="slide1">
             <a:extLst>
               <a:ext uri="{FF2B5EF4-FFF2-40B4-BE49-F238E27FC236}">
-                <a16:creationId xmlns:a16="http://schemas.microsoft.com/office/drawing/2014/main" id="{EEEDEC3F-9320-4FE3-8E20-6C69C02A30E2}"/>
+                <a16:creationId xmlns:a16="http://schemas.microsoft.com/office/drawing/2014/main" id="{2F0190EF-602C-4057-8C89-797AC2695761}"/>
               </a:ext>
             </a:extLst>
           </p:cNvPr>
@@ -3377,7 +3378,7 @@
           <a:p>
             <a:r>
               <a:rPr/>
-              <a:t>File created on: 5/15/2020 6:13:43 PM</a:t>
+              <a:t>File created on: 8/23/2020 6:18:44 PM</a:t>
             </a:r>
           </a:p>
         </p:txBody>
@@ -3417,7 +3418,7 @@
           <p:cNvPr descr="COVID-19 Ontario Breakdown1" id="2" name="slide2">
             <a:extLst>
               <a:ext uri="{FF2B5EF4-FFF2-40B4-BE49-F238E27FC236}">
-                <a16:creationId xmlns:a16="http://schemas.microsoft.com/office/drawing/2014/main" id="{D4EAB431-6EB7-42F9-A876-617998B76BE7}"/>
+                <a16:creationId xmlns:a16="http://schemas.microsoft.com/office/drawing/2014/main" id="{CFEDCADE-CC10-4BCB-8EC7-CA0F83C159EB}"/>
               </a:ext>
             </a:extLst>
           </p:cNvPr>
@@ -3483,7 +3484,7 @@
           <p:cNvPr descr="COVID-19 Ontario Breakdown2" id="3" name="slide3">
             <a:extLst>
               <a:ext uri="{FF2B5EF4-FFF2-40B4-BE49-F238E27FC236}">
-                <a16:creationId xmlns:a16="http://schemas.microsoft.com/office/drawing/2014/main" id="{FF2A646F-EBC8-478B-BD3D-1B4D343ABDF9}"/>
+                <a16:creationId xmlns:a16="http://schemas.microsoft.com/office/drawing/2014/main" id="{45AA1631-34D4-44D8-8610-1A2F2BB9538D}"/>
               </a:ext>
             </a:extLst>
           </p:cNvPr>
@@ -3549,7 +3550,7 @@
           <p:cNvPr descr="COVID-19 Ontario Breakdown3" id="4" name="slide4">
             <a:extLst>
               <a:ext uri="{FF2B5EF4-FFF2-40B4-BE49-F238E27FC236}">
-                <a16:creationId xmlns:a16="http://schemas.microsoft.com/office/drawing/2014/main" id="{FD869505-D7C3-4240-9231-D25876D4BC2D}"/>
+                <a16:creationId xmlns:a16="http://schemas.microsoft.com/office/drawing/2014/main" id="{1D3B4A76-4265-4E52-BA03-E8504023ED7B}"/>
               </a:ext>
             </a:extLst>
           </p:cNvPr>
@@ -3615,7 +3616,7 @@
           <p:cNvPr descr="COVID-19 Ontario Breakdown4" id="5" name="slide5">
             <a:extLst>
               <a:ext uri="{FF2B5EF4-FFF2-40B4-BE49-F238E27FC236}">
-                <a16:creationId xmlns:a16="http://schemas.microsoft.com/office/drawing/2014/main" id="{69B05800-0152-4ABF-B574-F111B213C71D}"/>
+                <a16:creationId xmlns:a16="http://schemas.microsoft.com/office/drawing/2014/main" id="{B12B7D8B-8C7A-4D1C-B641-EC8287F9F01C}"/>
               </a:ext>
             </a:extLst>
           </p:cNvPr>
@@ -3681,7 +3682,7 @@
           <p:cNvPr descr="COVID-19 Ontario Breakdown7" id="6" name="slide6">
             <a:extLst>
               <a:ext uri="{FF2B5EF4-FFF2-40B4-BE49-F238E27FC236}">
-                <a16:creationId xmlns:a16="http://schemas.microsoft.com/office/drawing/2014/main" id="{DF8FED8B-1597-47CC-B786-A9B2642D25E6}"/>
+                <a16:creationId xmlns:a16="http://schemas.microsoft.com/office/drawing/2014/main" id="{A585F35D-75A7-4443-92F7-5DCF004729D5}"/>
               </a:ext>
             </a:extLst>
           </p:cNvPr>
@@ -3692,6 +3693,72 @@
         </p:nvPicPr>
         <p:blipFill>
           <a:blip r:embed="rId11">
+            <a:extLst>
+              <a:ext uri="{28A0092B-C50C-407E-A947-70E740481C1C}">
+                <a14:useLocalDpi xmlns:a14="http://schemas.microsoft.com/office/drawing/2010/main" val="0"/>
+              </a:ext>
+            </a:extLst>
+          </a:blip>
+          <a:stretch>
+            <a:fillRect/>
+          </a:stretch>
+        </p:blipFill>
+        <p:spPr>
+          <a:xfrm>
+            <a:off x="2482033" y="0"/>
+            <a:ext cx="7227934" cy="6858000"/>
+          </a:xfrm>
+          <a:prstGeom prst="rect">
+            <a:avLst/>
+          </a:prstGeom>
+        </p:spPr>
+      </p:pic>
+    </p:spTree>
+    <p:extLst>
+      <p:ext uri="{BB962C8B-B14F-4D97-AF65-F5344CB8AC3E}">
+        <p14:creationId xmlns:p14="http://schemas.microsoft.com/office/powerpoint/2010/main" val="95992585"/>
+      </p:ext>
+    </p:extLst>
+  </p:cSld>
+  <p:clrMapOvr>
+    <a:masterClrMapping/>
+  </p:clrMapOvr>
+</p:sld>
+</file>
+
+<file path=ppt/slides/slide7.xml><?xml version="1.0" encoding="utf-8"?>
+<p:sld xmlns:a="http://schemas.openxmlformats.org/drawingml/2006/main" xmlns:p="http://schemas.openxmlformats.org/presentationml/2006/main" xmlns:r="http://schemas.openxmlformats.org/officeDocument/2006/relationships">
+  <p:cSld>
+    <p:spTree>
+      <p:nvGrpSpPr>
+        <p:cNvPr id="1" name=""/>
+        <p:cNvGrpSpPr/>
+        <p:nvPr/>
+      </p:nvGrpSpPr>
+      <p:grpSpPr>
+        <a:xfrm>
+          <a:off x="0" y="0"/>
+          <a:ext cx="0" cy="0"/>
+          <a:chOff x="0" y="0"/>
+          <a:chExt cx="0" cy="0"/>
+        </a:xfrm>
+      </p:grpSpPr>
+      <p:pic>
+        <p:nvPicPr>
+          <p:cNvPr descr="COVID-19 Ontario Breakdown8" id="7" name="slide7">
+            <a:extLst>
+              <a:ext uri="{FF2B5EF4-FFF2-40B4-BE49-F238E27FC236}">
+                <a16:creationId xmlns:a16="http://schemas.microsoft.com/office/drawing/2014/main" id="{4D193633-384B-4A19-AE4A-1E432F625648}"/>
+              </a:ext>
+            </a:extLst>
+          </p:cNvPr>
+          <p:cNvPicPr>
+            <a:picLocks noChangeAspect="1"/>
+          </p:cNvPicPr>
+          <p:nvPr/>
+        </p:nvPicPr>
+        <p:blipFill>
+          <a:blip r:embed="rId12">
             <a:extLst>
               <a:ext uri="{28A0092B-C50C-407E-A947-70E740481C1C}">
                 <a14:useLocalDpi xmlns:a14="http://schemas.microsoft.com/office/drawing/2010/main" val="0"/>
